--- a/slides/Anil-2020-12-14.pptx
+++ b/slides/Anil-2020-12-14.pptx
@@ -6,14 +6,22 @@
   </p:sldMasterIdLst>
   <p:sldIdLst>
     <p:sldId id="342" r:id="rId2"/>
-    <p:sldId id="345" r:id="rId3"/>
-    <p:sldId id="348" r:id="rId4"/>
-    <p:sldId id="349" r:id="rId5"/>
-    <p:sldId id="347" r:id="rId6"/>
-    <p:sldId id="352" r:id="rId7"/>
-    <p:sldId id="346" r:id="rId8"/>
-    <p:sldId id="350" r:id="rId9"/>
-    <p:sldId id="351" r:id="rId10"/>
+    <p:sldId id="346" r:id="rId3"/>
+    <p:sldId id="351" r:id="rId4"/>
+    <p:sldId id="350" r:id="rId5"/>
+    <p:sldId id="352" r:id="rId6"/>
+    <p:sldId id="353" r:id="rId7"/>
+    <p:sldId id="355" r:id="rId8"/>
+    <p:sldId id="356" r:id="rId9"/>
+    <p:sldId id="357" r:id="rId10"/>
+    <p:sldId id="358" r:id="rId11"/>
+    <p:sldId id="363" r:id="rId12"/>
+    <p:sldId id="364" r:id="rId13"/>
+    <p:sldId id="362" r:id="rId14"/>
+    <p:sldId id="361" r:id="rId15"/>
+    <p:sldId id="365" r:id="rId16"/>
+    <p:sldId id="354" r:id="rId17"/>
+    <p:sldId id="366" r:id="rId18"/>
   </p:sldIdLst>
   <p:sldSz cx="12192000" cy="6858000"/>
   <p:notesSz cx="6858000" cy="9144000"/>
@@ -279,7 +287,7 @@
           <a:p>
             <a:fld id="{D8E47488-6FB8-44F6-8C8C-F781CBDC3840}" type="datetimeFigureOut">
               <a:rPr lang="en-US" smtClean="0"/>
-              <a:t>12/16/2020</a:t>
+              <a:t>12/21/2020</a:t>
             </a:fld>
             <a:endParaRPr lang="en-US"/>
           </a:p>
@@ -477,7 +485,7 @@
           <a:p>
             <a:fld id="{D8E47488-6FB8-44F6-8C8C-F781CBDC3840}" type="datetimeFigureOut">
               <a:rPr lang="en-US" smtClean="0"/>
-              <a:t>12/16/2020</a:t>
+              <a:t>12/21/2020</a:t>
             </a:fld>
             <a:endParaRPr lang="en-US"/>
           </a:p>
@@ -685,7 +693,7 @@
           <a:p>
             <a:fld id="{D8E47488-6FB8-44F6-8C8C-F781CBDC3840}" type="datetimeFigureOut">
               <a:rPr lang="en-US" smtClean="0"/>
-              <a:t>12/16/2020</a:t>
+              <a:t>12/21/2020</a:t>
             </a:fld>
             <a:endParaRPr lang="en-US"/>
           </a:p>
@@ -883,7 +891,7 @@
           <a:p>
             <a:fld id="{D8E47488-6FB8-44F6-8C8C-F781CBDC3840}" type="datetimeFigureOut">
               <a:rPr lang="en-US" smtClean="0"/>
-              <a:t>12/16/2020</a:t>
+              <a:t>12/21/2020</a:t>
             </a:fld>
             <a:endParaRPr lang="en-US"/>
           </a:p>
@@ -1158,7 +1166,7 @@
           <a:p>
             <a:fld id="{D8E47488-6FB8-44F6-8C8C-F781CBDC3840}" type="datetimeFigureOut">
               <a:rPr lang="en-US" smtClean="0"/>
-              <a:t>12/16/2020</a:t>
+              <a:t>12/21/2020</a:t>
             </a:fld>
             <a:endParaRPr lang="en-US"/>
           </a:p>
@@ -1423,7 +1431,7 @@
           <a:p>
             <a:fld id="{D8E47488-6FB8-44F6-8C8C-F781CBDC3840}" type="datetimeFigureOut">
               <a:rPr lang="en-US" smtClean="0"/>
-              <a:t>12/16/2020</a:t>
+              <a:t>12/21/2020</a:t>
             </a:fld>
             <a:endParaRPr lang="en-US"/>
           </a:p>
@@ -1835,7 +1843,7 @@
           <a:p>
             <a:fld id="{D8E47488-6FB8-44F6-8C8C-F781CBDC3840}" type="datetimeFigureOut">
               <a:rPr lang="en-US" smtClean="0"/>
-              <a:t>12/16/2020</a:t>
+              <a:t>12/21/2020</a:t>
             </a:fld>
             <a:endParaRPr lang="en-US"/>
           </a:p>
@@ -1976,7 +1984,7 @@
           <a:p>
             <a:fld id="{D8E47488-6FB8-44F6-8C8C-F781CBDC3840}" type="datetimeFigureOut">
               <a:rPr lang="en-US" smtClean="0"/>
-              <a:t>12/16/2020</a:t>
+              <a:t>12/21/2020</a:t>
             </a:fld>
             <a:endParaRPr lang="en-US"/>
           </a:p>
@@ -2089,7 +2097,7 @@
           <a:p>
             <a:fld id="{D8E47488-6FB8-44F6-8C8C-F781CBDC3840}" type="datetimeFigureOut">
               <a:rPr lang="en-US" smtClean="0"/>
-              <a:t>12/16/2020</a:t>
+              <a:t>12/21/2020</a:t>
             </a:fld>
             <a:endParaRPr lang="en-US"/>
           </a:p>
@@ -2400,7 +2408,7 @@
           <a:p>
             <a:fld id="{D8E47488-6FB8-44F6-8C8C-F781CBDC3840}" type="datetimeFigureOut">
               <a:rPr lang="en-US" smtClean="0"/>
-              <a:t>12/16/2020</a:t>
+              <a:t>12/21/2020</a:t>
             </a:fld>
             <a:endParaRPr lang="en-US"/>
           </a:p>
@@ -2688,7 +2696,7 @@
           <a:p>
             <a:fld id="{D8E47488-6FB8-44F6-8C8C-F781CBDC3840}" type="datetimeFigureOut">
               <a:rPr lang="en-US" smtClean="0"/>
-              <a:t>12/16/2020</a:t>
+              <a:t>12/21/2020</a:t>
             </a:fld>
             <a:endParaRPr lang="en-US"/>
           </a:p>
@@ -2929,7 +2937,7 @@
           <a:p>
             <a:fld id="{D8E47488-6FB8-44F6-8C8C-F781CBDC3840}" type="datetimeFigureOut">
               <a:rPr lang="en-US" smtClean="0"/>
-              <a:t>12/16/2020</a:t>
+              <a:t>12/21/2020</a:t>
             </a:fld>
             <a:endParaRPr lang="en-US"/>
           </a:p>
@@ -3369,7 +3377,7 @@
           <a:p>
             <a:r>
               <a:rPr lang="en-US" dirty="0"/>
-              <a:t>Update</a:t>
+              <a:t>Overview</a:t>
             </a:r>
           </a:p>
         </p:txBody>
@@ -3395,30 +3403,36 @@
           <a:bodyPr/>
           <a:lstStyle/>
           <a:p>
-            <a:pPr marL="0" indent="0">
-              <a:buNone/>
-            </a:pPr>
-            <a:r>
-              <a:rPr lang="en-US" dirty="0"/>
-              <a:t>Got some baseline numbers for RDMA one-sided ops</a:t>
-            </a:r>
-          </a:p>
-          <a:p>
             <a:pPr lvl="1"/>
-            <a:r>
-              <a:rPr lang="en-US" dirty="0"/>
-              <a:t>Throughput</a:t>
-            </a:r>
-          </a:p>
-          <a:p>
-            <a:pPr lvl="1"/>
-            <a:r>
-              <a:rPr lang="en-US" dirty="0"/>
-              <a:t>RTT</a:t>
-            </a:r>
-          </a:p>
-          <a:p>
-            <a:pPr lvl="1"/>
+            <a:endParaRPr lang="en-US" dirty="0"/>
+          </a:p>
+          <a:p>
+            <a:r>
+              <a:rPr lang="en-US" dirty="0"/>
+              <a:t>Memory registration-related numbers (TLB size)  😒</a:t>
+            </a:r>
+          </a:p>
+          <a:p>
+            <a:r>
+              <a:rPr lang="en-US" dirty="0"/>
+              <a:t>Experiments with scatter-gather ops  🙂</a:t>
+            </a:r>
+          </a:p>
+          <a:p>
+            <a:r>
+              <a:rPr lang="en-US" dirty="0"/>
+              <a:t>Debugging </a:t>
+            </a:r>
+            <a:r>
+              <a:rPr lang="en-US" dirty="0" err="1"/>
+              <a:t>pktgen</a:t>
+            </a:r>
+            <a:r>
+              <a:rPr lang="en-US" dirty="0"/>
+              <a:t>   😐	</a:t>
+            </a:r>
+          </a:p>
+          <a:p>
             <a:endParaRPr lang="en-US" dirty="0"/>
           </a:p>
           <a:p>
@@ -3430,6 +3444,881 @@
     <p:extLst>
       <p:ext uri="{BB962C8B-B14F-4D97-AF65-F5344CB8AC3E}">
         <p14:creationId xmlns:p14="http://schemas.microsoft.com/office/powerpoint/2010/main" val="3813008607"/>
+      </p:ext>
+    </p:extLst>
+  </p:cSld>
+  <p:clrMapOvr>
+    <a:masterClrMapping/>
+  </p:clrMapOvr>
+</p:sld>
+</file>
+
+<file path=ppt/slides/slide10.xml><?xml version="1.0" encoding="utf-8"?>
+<p:sld xmlns:a="http://schemas.openxmlformats.org/drawingml/2006/main" xmlns:r="http://schemas.openxmlformats.org/officeDocument/2006/relationships" xmlns:p="http://schemas.openxmlformats.org/presentationml/2006/main">
+  <p:cSld>
+    <p:spTree>
+      <p:nvGrpSpPr>
+        <p:cNvPr id="1" name=""/>
+        <p:cNvGrpSpPr/>
+        <p:nvPr/>
+      </p:nvGrpSpPr>
+      <p:grpSpPr>
+        <a:xfrm>
+          <a:off x="0" y="0"/>
+          <a:ext cx="0" cy="0"/>
+          <a:chOff x="0" y="0"/>
+          <a:chExt cx="0" cy="0"/>
+        </a:xfrm>
+      </p:grpSpPr>
+      <p:sp>
+        <p:nvSpPr>
+          <p:cNvPr id="2" name="Title 1">
+            <a:extLst>
+              <a:ext uri="{FF2B5EF4-FFF2-40B4-BE49-F238E27FC236}">
+                <a16:creationId xmlns:a16="http://schemas.microsoft.com/office/drawing/2014/main" id="{C49BE9F8-24AA-4E4A-8010-F68AA0ABBBE0}"/>
+              </a:ext>
+            </a:extLst>
+          </p:cNvPr>
+          <p:cNvSpPr>
+            <a:spLocks noGrp="1"/>
+          </p:cNvSpPr>
+          <p:nvPr>
+            <p:ph type="title"/>
+          </p:nvPr>
+        </p:nvSpPr>
+        <p:spPr/>
+        <p:txBody>
+          <a:bodyPr/>
+          <a:lstStyle/>
+          <a:p>
+            <a:r>
+              <a:rPr lang="en-US" dirty="0"/>
+              <a:t>Scatter-gather ops</a:t>
+            </a:r>
+          </a:p>
+        </p:txBody>
+      </p:sp>
+      <p:pic>
+        <p:nvPicPr>
+          <p:cNvPr id="10" name="Content Placeholder 9" descr="Chart, line chart&#10;&#10;Description automatically generated">
+            <a:extLst>
+              <a:ext uri="{FF2B5EF4-FFF2-40B4-BE49-F238E27FC236}">
+                <a16:creationId xmlns:a16="http://schemas.microsoft.com/office/drawing/2014/main" id="{DB13692C-BE54-4976-AB01-E1AA66050626}"/>
+              </a:ext>
+            </a:extLst>
+          </p:cNvPr>
+          <p:cNvPicPr>
+            <a:picLocks noGrp="1" noChangeAspect="1"/>
+          </p:cNvPicPr>
+          <p:nvPr>
+            <p:ph idx="1"/>
+          </p:nvPr>
+        </p:nvPicPr>
+        <p:blipFill>
+          <a:blip r:embed="rId2">
+            <a:extLst>
+              <a:ext uri="{28A0092B-C50C-407E-A947-70E740481C1C}">
+                <a14:useLocalDpi xmlns:a14="http://schemas.microsoft.com/office/drawing/2010/main" val="0"/>
+              </a:ext>
+            </a:extLst>
+          </a:blip>
+          <a:stretch>
+            <a:fillRect/>
+          </a:stretch>
+        </p:blipFill>
+        <p:spPr>
+          <a:xfrm>
+            <a:off x="3352794" y="2286000"/>
+            <a:ext cx="5486411" cy="3657607"/>
+          </a:xfrm>
+          <a:prstGeom prst="rect">
+            <a:avLst/>
+          </a:prstGeom>
+        </p:spPr>
+      </p:pic>
+      <p:sp>
+        <p:nvSpPr>
+          <p:cNvPr id="5" name="TextBox 4">
+            <a:extLst>
+              <a:ext uri="{FF2B5EF4-FFF2-40B4-BE49-F238E27FC236}">
+                <a16:creationId xmlns:a16="http://schemas.microsoft.com/office/drawing/2014/main" id="{FFEA749F-7FA3-4C9F-A0E5-F7D51B95FEDA}"/>
+              </a:ext>
+            </a:extLst>
+          </p:cNvPr>
+          <p:cNvSpPr txBox="1"/>
+          <p:nvPr/>
+        </p:nvSpPr>
+        <p:spPr>
+          <a:xfrm>
+            <a:off x="5534025" y="6169587"/>
+            <a:ext cx="1388778" cy="369332"/>
+          </a:xfrm>
+          <a:prstGeom prst="rect">
+            <a:avLst/>
+          </a:prstGeom>
+          <a:noFill/>
+        </p:spPr>
+        <p:txBody>
+          <a:bodyPr wrap="none" rtlCol="0">
+            <a:spAutoFit/>
+          </a:bodyPr>
+          <a:lstStyle/>
+          <a:p>
+            <a:r>
+              <a:rPr lang="en-US" dirty="0"/>
+              <a:t>Hits line-rate</a:t>
+            </a:r>
+          </a:p>
+        </p:txBody>
+      </p:sp>
+    </p:spTree>
+    <p:extLst>
+      <p:ext uri="{BB962C8B-B14F-4D97-AF65-F5344CB8AC3E}">
+        <p14:creationId xmlns:p14="http://schemas.microsoft.com/office/powerpoint/2010/main" val="2153427764"/>
+      </p:ext>
+    </p:extLst>
+  </p:cSld>
+  <p:clrMapOvr>
+    <a:masterClrMapping/>
+  </p:clrMapOvr>
+</p:sld>
+</file>
+
+<file path=ppt/slides/slide11.xml><?xml version="1.0" encoding="utf-8"?>
+<p:sld xmlns:a="http://schemas.openxmlformats.org/drawingml/2006/main" xmlns:r="http://schemas.openxmlformats.org/officeDocument/2006/relationships" xmlns:p="http://schemas.openxmlformats.org/presentationml/2006/main">
+  <p:cSld>
+    <p:spTree>
+      <p:nvGrpSpPr>
+        <p:cNvPr id="1" name=""/>
+        <p:cNvGrpSpPr/>
+        <p:nvPr/>
+      </p:nvGrpSpPr>
+      <p:grpSpPr>
+        <a:xfrm>
+          <a:off x="0" y="0"/>
+          <a:ext cx="0" cy="0"/>
+          <a:chOff x="0" y="0"/>
+          <a:chExt cx="0" cy="0"/>
+        </a:xfrm>
+      </p:grpSpPr>
+      <p:sp>
+        <p:nvSpPr>
+          <p:cNvPr id="2" name="Title 1">
+            <a:extLst>
+              <a:ext uri="{FF2B5EF4-FFF2-40B4-BE49-F238E27FC236}">
+                <a16:creationId xmlns:a16="http://schemas.microsoft.com/office/drawing/2014/main" id="{C49BE9F8-24AA-4E4A-8010-F68AA0ABBBE0}"/>
+              </a:ext>
+            </a:extLst>
+          </p:cNvPr>
+          <p:cNvSpPr>
+            <a:spLocks noGrp="1"/>
+          </p:cNvSpPr>
+          <p:nvPr>
+            <p:ph type="title"/>
+          </p:nvPr>
+        </p:nvSpPr>
+        <p:spPr/>
+        <p:txBody>
+          <a:bodyPr/>
+          <a:lstStyle/>
+          <a:p>
+            <a:r>
+              <a:rPr lang="en-US" dirty="0"/>
+              <a:t>Scatter-gather ops (concurrency: 4)</a:t>
+            </a:r>
+          </a:p>
+        </p:txBody>
+      </p:sp>
+      <p:pic>
+        <p:nvPicPr>
+          <p:cNvPr id="8" name="Picture 7" descr="Chart, line chart&#10;&#10;Description automatically generated">
+            <a:extLst>
+              <a:ext uri="{FF2B5EF4-FFF2-40B4-BE49-F238E27FC236}">
+                <a16:creationId xmlns:a16="http://schemas.microsoft.com/office/drawing/2014/main" id="{3A081EC2-03C6-4F2E-9859-444ABB6F9C4E}"/>
+              </a:ext>
+            </a:extLst>
+          </p:cNvPr>
+          <p:cNvPicPr>
+            <a:picLocks noChangeAspect="1"/>
+          </p:cNvPicPr>
+          <p:nvPr/>
+        </p:nvPicPr>
+        <p:blipFill>
+          <a:blip r:embed="rId2">
+            <a:extLst>
+              <a:ext uri="{28A0092B-C50C-407E-A947-70E740481C1C}">
+                <a14:useLocalDpi xmlns:a14="http://schemas.microsoft.com/office/drawing/2010/main" val="0"/>
+              </a:ext>
+            </a:extLst>
+          </a:blip>
+          <a:stretch>
+            <a:fillRect/>
+          </a:stretch>
+        </p:blipFill>
+        <p:spPr>
+          <a:xfrm>
+            <a:off x="3352794" y="2286000"/>
+            <a:ext cx="5486411" cy="3657607"/>
+          </a:xfrm>
+          <a:prstGeom prst="rect">
+            <a:avLst/>
+          </a:prstGeom>
+        </p:spPr>
+      </p:pic>
+      <p:sp>
+        <p:nvSpPr>
+          <p:cNvPr id="9" name="TextBox 8">
+            <a:extLst>
+              <a:ext uri="{FF2B5EF4-FFF2-40B4-BE49-F238E27FC236}">
+                <a16:creationId xmlns:a16="http://schemas.microsoft.com/office/drawing/2014/main" id="{2B77BCEF-39AA-4145-A001-43E3A7D9C89A}"/>
+              </a:ext>
+            </a:extLst>
+          </p:cNvPr>
+          <p:cNvSpPr txBox="1"/>
+          <p:nvPr/>
+        </p:nvSpPr>
+        <p:spPr>
+          <a:xfrm>
+            <a:off x="3467100" y="6123543"/>
+            <a:ext cx="5997604" cy="369332"/>
+          </a:xfrm>
+          <a:prstGeom prst="rect">
+            <a:avLst/>
+          </a:prstGeom>
+          <a:noFill/>
+        </p:spPr>
+        <p:txBody>
+          <a:bodyPr wrap="none" rtlCol="0">
+            <a:spAutoFit/>
+          </a:bodyPr>
+          <a:lstStyle/>
+          <a:p>
+            <a:r>
+              <a:rPr lang="en-US" dirty="0"/>
+              <a:t>Here the bottleneck is RTT. Then why is NIC gather still worse?</a:t>
+            </a:r>
+          </a:p>
+        </p:txBody>
+      </p:sp>
+    </p:spTree>
+    <p:extLst>
+      <p:ext uri="{BB962C8B-B14F-4D97-AF65-F5344CB8AC3E}">
+        <p14:creationId xmlns:p14="http://schemas.microsoft.com/office/powerpoint/2010/main" val="3315636816"/>
+      </p:ext>
+    </p:extLst>
+  </p:cSld>
+  <p:clrMapOvr>
+    <a:masterClrMapping/>
+  </p:clrMapOvr>
+</p:sld>
+</file>
+
+<file path=ppt/slides/slide12.xml><?xml version="1.0" encoding="utf-8"?>
+<p:sld xmlns:a="http://schemas.openxmlformats.org/drawingml/2006/main" xmlns:r="http://schemas.openxmlformats.org/officeDocument/2006/relationships" xmlns:p="http://schemas.openxmlformats.org/presentationml/2006/main">
+  <p:cSld>
+    <p:spTree>
+      <p:nvGrpSpPr>
+        <p:cNvPr id="1" name=""/>
+        <p:cNvGrpSpPr/>
+        <p:nvPr/>
+      </p:nvGrpSpPr>
+      <p:grpSpPr>
+        <a:xfrm>
+          <a:off x="0" y="0"/>
+          <a:ext cx="0" cy="0"/>
+          <a:chOff x="0" y="0"/>
+          <a:chExt cx="0" cy="0"/>
+        </a:xfrm>
+      </p:grpSpPr>
+      <p:sp>
+        <p:nvSpPr>
+          <p:cNvPr id="2" name="Title 1">
+            <a:extLst>
+              <a:ext uri="{FF2B5EF4-FFF2-40B4-BE49-F238E27FC236}">
+                <a16:creationId xmlns:a16="http://schemas.microsoft.com/office/drawing/2014/main" id="{C49BE9F8-24AA-4E4A-8010-F68AA0ABBBE0}"/>
+              </a:ext>
+            </a:extLst>
+          </p:cNvPr>
+          <p:cNvSpPr>
+            <a:spLocks noGrp="1"/>
+          </p:cNvSpPr>
+          <p:nvPr>
+            <p:ph type="title"/>
+          </p:nvPr>
+        </p:nvSpPr>
+        <p:spPr/>
+        <p:txBody>
+          <a:bodyPr/>
+          <a:lstStyle/>
+          <a:p>
+            <a:r>
+              <a:rPr lang="en-US" dirty="0"/>
+              <a:t>Scatter-gather ops</a:t>
+            </a:r>
+          </a:p>
+        </p:txBody>
+      </p:sp>
+      <p:pic>
+        <p:nvPicPr>
+          <p:cNvPr id="11" name="Picture 10" descr="Chart, line chart&#10;&#10;Description automatically generated">
+            <a:extLst>
+              <a:ext uri="{FF2B5EF4-FFF2-40B4-BE49-F238E27FC236}">
+                <a16:creationId xmlns:a16="http://schemas.microsoft.com/office/drawing/2014/main" id="{6DE81BAD-FE3D-4544-9950-5BE2B44D62EF}"/>
+              </a:ext>
+            </a:extLst>
+          </p:cNvPr>
+          <p:cNvPicPr>
+            <a:picLocks noChangeAspect="1"/>
+          </p:cNvPicPr>
+          <p:nvPr/>
+        </p:nvPicPr>
+        <p:blipFill>
+          <a:blip r:embed="rId2">
+            <a:extLst>
+              <a:ext uri="{28A0092B-C50C-407E-A947-70E740481C1C}">
+                <a14:useLocalDpi xmlns:a14="http://schemas.microsoft.com/office/drawing/2010/main" val="0"/>
+              </a:ext>
+            </a:extLst>
+          </a:blip>
+          <a:stretch>
+            <a:fillRect/>
+          </a:stretch>
+        </p:blipFill>
+        <p:spPr>
+          <a:xfrm>
+            <a:off x="3352793" y="2286000"/>
+            <a:ext cx="5486411" cy="3657607"/>
+          </a:xfrm>
+          <a:prstGeom prst="rect">
+            <a:avLst/>
+          </a:prstGeom>
+        </p:spPr>
+      </p:pic>
+    </p:spTree>
+    <p:extLst>
+      <p:ext uri="{BB962C8B-B14F-4D97-AF65-F5344CB8AC3E}">
+        <p14:creationId xmlns:p14="http://schemas.microsoft.com/office/powerpoint/2010/main" val="2535558360"/>
+      </p:ext>
+    </p:extLst>
+  </p:cSld>
+  <p:clrMapOvr>
+    <a:masterClrMapping/>
+  </p:clrMapOvr>
+</p:sld>
+</file>
+
+<file path=ppt/slides/slide13.xml><?xml version="1.0" encoding="utf-8"?>
+<p:sld xmlns:a="http://schemas.openxmlformats.org/drawingml/2006/main" xmlns:r="http://schemas.openxmlformats.org/officeDocument/2006/relationships" xmlns:p="http://schemas.openxmlformats.org/presentationml/2006/main">
+  <p:cSld>
+    <p:spTree>
+      <p:nvGrpSpPr>
+        <p:cNvPr id="1" name=""/>
+        <p:cNvGrpSpPr/>
+        <p:nvPr/>
+      </p:nvGrpSpPr>
+      <p:grpSpPr>
+        <a:xfrm>
+          <a:off x="0" y="0"/>
+          <a:ext cx="0" cy="0"/>
+          <a:chOff x="0" y="0"/>
+          <a:chExt cx="0" cy="0"/>
+        </a:xfrm>
+      </p:grpSpPr>
+      <p:sp>
+        <p:nvSpPr>
+          <p:cNvPr id="2" name="Title 1">
+            <a:extLst>
+              <a:ext uri="{FF2B5EF4-FFF2-40B4-BE49-F238E27FC236}">
+                <a16:creationId xmlns:a16="http://schemas.microsoft.com/office/drawing/2014/main" id="{C49BE9F8-24AA-4E4A-8010-F68AA0ABBBE0}"/>
+              </a:ext>
+            </a:extLst>
+          </p:cNvPr>
+          <p:cNvSpPr>
+            <a:spLocks noGrp="1"/>
+          </p:cNvSpPr>
+          <p:nvPr>
+            <p:ph type="title"/>
+          </p:nvPr>
+        </p:nvSpPr>
+        <p:spPr/>
+        <p:txBody>
+          <a:bodyPr/>
+          <a:lstStyle/>
+          <a:p>
+            <a:r>
+              <a:rPr lang="en-US" dirty="0"/>
+              <a:t>Scatter-gather ops</a:t>
+            </a:r>
+          </a:p>
+        </p:txBody>
+      </p:sp>
+      <p:pic>
+        <p:nvPicPr>
+          <p:cNvPr id="13" name="Picture 12" descr="Chart, line chart&#10;&#10;Description automatically generated">
+            <a:extLst>
+              <a:ext uri="{FF2B5EF4-FFF2-40B4-BE49-F238E27FC236}">
+                <a16:creationId xmlns:a16="http://schemas.microsoft.com/office/drawing/2014/main" id="{6AA87F97-2A71-4EB7-8C65-00D701320F4B}"/>
+              </a:ext>
+            </a:extLst>
+          </p:cNvPr>
+          <p:cNvPicPr>
+            <a:picLocks noChangeAspect="1"/>
+          </p:cNvPicPr>
+          <p:nvPr/>
+        </p:nvPicPr>
+        <p:blipFill>
+          <a:blip r:embed="rId2">
+            <a:extLst>
+              <a:ext uri="{28A0092B-C50C-407E-A947-70E740481C1C}">
+                <a14:useLocalDpi xmlns:a14="http://schemas.microsoft.com/office/drawing/2010/main" val="0"/>
+              </a:ext>
+            </a:extLst>
+          </a:blip>
+          <a:stretch>
+            <a:fillRect/>
+          </a:stretch>
+        </p:blipFill>
+        <p:spPr>
+          <a:xfrm>
+            <a:off x="3352794" y="2286000"/>
+            <a:ext cx="5486411" cy="3657607"/>
+          </a:xfrm>
+          <a:prstGeom prst="rect">
+            <a:avLst/>
+          </a:prstGeom>
+        </p:spPr>
+      </p:pic>
+    </p:spTree>
+    <p:extLst>
+      <p:ext uri="{BB962C8B-B14F-4D97-AF65-F5344CB8AC3E}">
+        <p14:creationId xmlns:p14="http://schemas.microsoft.com/office/powerpoint/2010/main" val="1370071003"/>
+      </p:ext>
+    </p:extLst>
+  </p:cSld>
+  <p:clrMapOvr>
+    <a:masterClrMapping/>
+  </p:clrMapOvr>
+</p:sld>
+</file>
+
+<file path=ppt/slides/slide14.xml><?xml version="1.0" encoding="utf-8"?>
+<p:sld xmlns:a="http://schemas.openxmlformats.org/drawingml/2006/main" xmlns:r="http://schemas.openxmlformats.org/officeDocument/2006/relationships" xmlns:p="http://schemas.openxmlformats.org/presentationml/2006/main">
+  <p:cSld>
+    <p:spTree>
+      <p:nvGrpSpPr>
+        <p:cNvPr id="1" name=""/>
+        <p:cNvGrpSpPr/>
+        <p:nvPr/>
+      </p:nvGrpSpPr>
+      <p:grpSpPr>
+        <a:xfrm>
+          <a:off x="0" y="0"/>
+          <a:ext cx="0" cy="0"/>
+          <a:chOff x="0" y="0"/>
+          <a:chExt cx="0" cy="0"/>
+        </a:xfrm>
+      </p:grpSpPr>
+      <p:sp>
+        <p:nvSpPr>
+          <p:cNvPr id="2" name="Title 1">
+            <a:extLst>
+              <a:ext uri="{FF2B5EF4-FFF2-40B4-BE49-F238E27FC236}">
+                <a16:creationId xmlns:a16="http://schemas.microsoft.com/office/drawing/2014/main" id="{C49BE9F8-24AA-4E4A-8010-F68AA0ABBBE0}"/>
+              </a:ext>
+            </a:extLst>
+          </p:cNvPr>
+          <p:cNvSpPr>
+            <a:spLocks noGrp="1"/>
+          </p:cNvSpPr>
+          <p:nvPr>
+            <p:ph type="title"/>
+          </p:nvPr>
+        </p:nvSpPr>
+        <p:spPr/>
+        <p:txBody>
+          <a:bodyPr/>
+          <a:lstStyle/>
+          <a:p>
+            <a:r>
+              <a:rPr lang="en-US" dirty="0"/>
+              <a:t>Scatter-gather ops</a:t>
+            </a:r>
+          </a:p>
+        </p:txBody>
+      </p:sp>
+      <p:pic>
+        <p:nvPicPr>
+          <p:cNvPr id="10" name="Content Placeholder 9" descr="Chart, line chart&#10;&#10;Description automatically generated">
+            <a:extLst>
+              <a:ext uri="{FF2B5EF4-FFF2-40B4-BE49-F238E27FC236}">
+                <a16:creationId xmlns:a16="http://schemas.microsoft.com/office/drawing/2014/main" id="{683BF995-3A2E-4958-9202-E2FB65E2B6DD}"/>
+              </a:ext>
+            </a:extLst>
+          </p:cNvPr>
+          <p:cNvPicPr>
+            <a:picLocks noGrp="1" noChangeAspect="1"/>
+          </p:cNvPicPr>
+          <p:nvPr>
+            <p:ph idx="1"/>
+          </p:nvPr>
+        </p:nvPicPr>
+        <p:blipFill>
+          <a:blip r:embed="rId2">
+            <a:extLst>
+              <a:ext uri="{28A0092B-C50C-407E-A947-70E740481C1C}">
+                <a14:useLocalDpi xmlns:a14="http://schemas.microsoft.com/office/drawing/2010/main" val="0"/>
+              </a:ext>
+            </a:extLst>
+          </a:blip>
+          <a:stretch>
+            <a:fillRect/>
+          </a:stretch>
+        </p:blipFill>
+        <p:spPr>
+          <a:xfrm>
+            <a:off x="3352794" y="2286000"/>
+            <a:ext cx="5486411" cy="3657607"/>
+          </a:xfrm>
+          <a:prstGeom prst="rect">
+            <a:avLst/>
+          </a:prstGeom>
+        </p:spPr>
+      </p:pic>
+    </p:spTree>
+    <p:extLst>
+      <p:ext uri="{BB962C8B-B14F-4D97-AF65-F5344CB8AC3E}">
+        <p14:creationId xmlns:p14="http://schemas.microsoft.com/office/powerpoint/2010/main" val="360440638"/>
+      </p:ext>
+    </p:extLst>
+  </p:cSld>
+  <p:clrMapOvr>
+    <a:masterClrMapping/>
+  </p:clrMapOvr>
+</p:sld>
+</file>
+
+<file path=ppt/slides/slide15.xml><?xml version="1.0" encoding="utf-8"?>
+<p:sld xmlns:a="http://schemas.openxmlformats.org/drawingml/2006/main" xmlns:r="http://schemas.openxmlformats.org/officeDocument/2006/relationships" xmlns:p="http://schemas.openxmlformats.org/presentationml/2006/main">
+  <p:cSld>
+    <p:spTree>
+      <p:nvGrpSpPr>
+        <p:cNvPr id="1" name=""/>
+        <p:cNvGrpSpPr/>
+        <p:nvPr/>
+      </p:nvGrpSpPr>
+      <p:grpSpPr>
+        <a:xfrm>
+          <a:off x="0" y="0"/>
+          <a:ext cx="0" cy="0"/>
+          <a:chOff x="0" y="0"/>
+          <a:chExt cx="0" cy="0"/>
+        </a:xfrm>
+      </p:grpSpPr>
+      <p:sp>
+        <p:nvSpPr>
+          <p:cNvPr id="2" name="Title 1">
+            <a:extLst>
+              <a:ext uri="{FF2B5EF4-FFF2-40B4-BE49-F238E27FC236}">
+                <a16:creationId xmlns:a16="http://schemas.microsoft.com/office/drawing/2014/main" id="{C49BE9F8-24AA-4E4A-8010-F68AA0ABBBE0}"/>
+              </a:ext>
+            </a:extLst>
+          </p:cNvPr>
+          <p:cNvSpPr>
+            <a:spLocks noGrp="1"/>
+          </p:cNvSpPr>
+          <p:nvPr>
+            <p:ph type="title"/>
+          </p:nvPr>
+        </p:nvSpPr>
+        <p:spPr/>
+        <p:txBody>
+          <a:bodyPr/>
+          <a:lstStyle/>
+          <a:p>
+            <a:r>
+              <a:rPr lang="en-US" dirty="0"/>
+              <a:t>Scatter-gather ops</a:t>
+            </a:r>
+          </a:p>
+        </p:txBody>
+      </p:sp>
+      <p:pic>
+        <p:nvPicPr>
+          <p:cNvPr id="4" name="Picture 3" descr="Chart, line chart&#10;&#10;Description automatically generated">
+            <a:extLst>
+              <a:ext uri="{FF2B5EF4-FFF2-40B4-BE49-F238E27FC236}">
+                <a16:creationId xmlns:a16="http://schemas.microsoft.com/office/drawing/2014/main" id="{3D8EC1D8-BF90-4C80-ABF7-BF6A160CC4F6}"/>
+              </a:ext>
+            </a:extLst>
+          </p:cNvPr>
+          <p:cNvPicPr>
+            <a:picLocks noChangeAspect="1"/>
+          </p:cNvPicPr>
+          <p:nvPr/>
+        </p:nvPicPr>
+        <p:blipFill>
+          <a:blip r:embed="rId2">
+            <a:extLst>
+              <a:ext uri="{28A0092B-C50C-407E-A947-70E740481C1C}">
+                <a14:useLocalDpi xmlns:a14="http://schemas.microsoft.com/office/drawing/2010/main" val="0"/>
+              </a:ext>
+            </a:extLst>
+          </a:blip>
+          <a:stretch>
+            <a:fillRect/>
+          </a:stretch>
+        </p:blipFill>
+        <p:spPr>
+          <a:xfrm>
+            <a:off x="3352794" y="2286000"/>
+            <a:ext cx="5486411" cy="3657607"/>
+          </a:xfrm>
+          <a:prstGeom prst="rect">
+            <a:avLst/>
+          </a:prstGeom>
+        </p:spPr>
+      </p:pic>
+    </p:spTree>
+    <p:extLst>
+      <p:ext uri="{BB962C8B-B14F-4D97-AF65-F5344CB8AC3E}">
+        <p14:creationId xmlns:p14="http://schemas.microsoft.com/office/powerpoint/2010/main" val="1881522239"/>
+      </p:ext>
+    </p:extLst>
+  </p:cSld>
+  <p:clrMapOvr>
+    <a:masterClrMapping/>
+  </p:clrMapOvr>
+</p:sld>
+</file>
+
+<file path=ppt/slides/slide16.xml><?xml version="1.0" encoding="utf-8"?>
+<p:sld xmlns:a="http://schemas.openxmlformats.org/drawingml/2006/main" xmlns:r="http://schemas.openxmlformats.org/officeDocument/2006/relationships" xmlns:p="http://schemas.openxmlformats.org/presentationml/2006/main">
+  <p:cSld>
+    <p:spTree>
+      <p:nvGrpSpPr>
+        <p:cNvPr id="1" name=""/>
+        <p:cNvGrpSpPr/>
+        <p:nvPr/>
+      </p:nvGrpSpPr>
+      <p:grpSpPr>
+        <a:xfrm>
+          <a:off x="0" y="0"/>
+          <a:ext cx="0" cy="0"/>
+          <a:chOff x="0" y="0"/>
+          <a:chExt cx="0" cy="0"/>
+        </a:xfrm>
+      </p:grpSpPr>
+      <p:sp>
+        <p:nvSpPr>
+          <p:cNvPr id="2" name="Title 1">
+            <a:extLst>
+              <a:ext uri="{FF2B5EF4-FFF2-40B4-BE49-F238E27FC236}">
+                <a16:creationId xmlns:a16="http://schemas.microsoft.com/office/drawing/2014/main" id="{C98EF3B0-6126-4D37-B898-B360EDA8D1A9}"/>
+              </a:ext>
+            </a:extLst>
+          </p:cNvPr>
+          <p:cNvSpPr>
+            <a:spLocks noGrp="1"/>
+          </p:cNvSpPr>
+          <p:nvPr>
+            <p:ph type="title"/>
+          </p:nvPr>
+        </p:nvSpPr>
+        <p:spPr/>
+        <p:txBody>
+          <a:bodyPr/>
+          <a:lstStyle/>
+          <a:p>
+            <a:r>
+              <a:rPr lang="en-US" dirty="0"/>
+              <a:t>Immediate takeaways</a:t>
+            </a:r>
+          </a:p>
+        </p:txBody>
+      </p:sp>
+      <p:sp>
+        <p:nvSpPr>
+          <p:cNvPr id="3" name="Content Placeholder 2">
+            <a:extLst>
+              <a:ext uri="{FF2B5EF4-FFF2-40B4-BE49-F238E27FC236}">
+                <a16:creationId xmlns:a16="http://schemas.microsoft.com/office/drawing/2014/main" id="{7050E338-F1D1-4DEC-B63F-C5AF5B99D26C}"/>
+              </a:ext>
+            </a:extLst>
+          </p:cNvPr>
+          <p:cNvSpPr>
+            <a:spLocks noGrp="1"/>
+          </p:cNvSpPr>
+          <p:nvPr>
+            <p:ph idx="1"/>
+          </p:nvPr>
+        </p:nvSpPr>
+        <p:spPr/>
+        <p:txBody>
+          <a:bodyPr/>
+          <a:lstStyle/>
+          <a:p>
+            <a:r>
+              <a:rPr lang="en-US" dirty="0"/>
+              <a:t>CPU-gather generally wins</a:t>
+            </a:r>
+          </a:p>
+          <a:p>
+            <a:r>
+              <a:rPr lang="en-US" dirty="0"/>
+              <a:t>NIC-gather is optimal only for bigger payloads with less dispersion</a:t>
+            </a:r>
+          </a:p>
+          <a:p>
+            <a:pPr lvl="1"/>
+            <a:r>
+              <a:rPr lang="en-US" dirty="0"/>
+              <a:t>Gains vary with concurrency as well?</a:t>
+            </a:r>
+          </a:p>
+          <a:p>
+            <a:pPr marL="0" indent="0">
+              <a:buNone/>
+            </a:pPr>
+            <a:endParaRPr lang="en-US" dirty="0"/>
+          </a:p>
+          <a:p>
+            <a:pPr marL="0" indent="0">
+              <a:buNone/>
+            </a:pPr>
+            <a:r>
+              <a:rPr lang="en-US" dirty="0"/>
+              <a:t>Can (should) I nicely model this behavior?</a:t>
+            </a:r>
+          </a:p>
+        </p:txBody>
+      </p:sp>
+    </p:spTree>
+    <p:extLst>
+      <p:ext uri="{BB962C8B-B14F-4D97-AF65-F5344CB8AC3E}">
+        <p14:creationId xmlns:p14="http://schemas.microsoft.com/office/powerpoint/2010/main" val="590217265"/>
+      </p:ext>
+    </p:extLst>
+  </p:cSld>
+  <p:clrMapOvr>
+    <a:masterClrMapping/>
+  </p:clrMapOvr>
+</p:sld>
+</file>
+
+<file path=ppt/slides/slide17.xml><?xml version="1.0" encoding="utf-8"?>
+<p:sld xmlns:a="http://schemas.openxmlformats.org/drawingml/2006/main" xmlns:r="http://schemas.openxmlformats.org/officeDocument/2006/relationships" xmlns:p="http://schemas.openxmlformats.org/presentationml/2006/main">
+  <p:cSld>
+    <p:spTree>
+      <p:nvGrpSpPr>
+        <p:cNvPr id="1" name=""/>
+        <p:cNvGrpSpPr/>
+        <p:nvPr/>
+      </p:nvGrpSpPr>
+      <p:grpSpPr>
+        <a:xfrm>
+          <a:off x="0" y="0"/>
+          <a:ext cx="0" cy="0"/>
+          <a:chOff x="0" y="0"/>
+          <a:chExt cx="0" cy="0"/>
+        </a:xfrm>
+      </p:grpSpPr>
+      <p:sp>
+        <p:nvSpPr>
+          <p:cNvPr id="2" name="Title 1">
+            <a:extLst>
+              <a:ext uri="{FF2B5EF4-FFF2-40B4-BE49-F238E27FC236}">
+                <a16:creationId xmlns:a16="http://schemas.microsoft.com/office/drawing/2014/main" id="{38B6956F-04C8-4624-BCEB-0734FC9EDB11}"/>
+              </a:ext>
+            </a:extLst>
+          </p:cNvPr>
+          <p:cNvSpPr>
+            <a:spLocks noGrp="1"/>
+          </p:cNvSpPr>
+          <p:nvPr>
+            <p:ph type="title"/>
+          </p:nvPr>
+        </p:nvSpPr>
+        <p:spPr/>
+        <p:txBody>
+          <a:bodyPr/>
+          <a:lstStyle/>
+          <a:p>
+            <a:r>
+              <a:rPr lang="en-US" dirty="0"/>
+              <a:t>Next</a:t>
+            </a:r>
+          </a:p>
+        </p:txBody>
+      </p:sp>
+      <p:sp>
+        <p:nvSpPr>
+          <p:cNvPr id="3" name="Content Placeholder 2">
+            <a:extLst>
+              <a:ext uri="{FF2B5EF4-FFF2-40B4-BE49-F238E27FC236}">
+                <a16:creationId xmlns:a16="http://schemas.microsoft.com/office/drawing/2014/main" id="{36FD1723-C030-4F78-A7E4-016916FE4CF6}"/>
+              </a:ext>
+            </a:extLst>
+          </p:cNvPr>
+          <p:cNvSpPr>
+            <a:spLocks noGrp="1"/>
+          </p:cNvSpPr>
+          <p:nvPr>
+            <p:ph idx="1"/>
+          </p:nvPr>
+        </p:nvSpPr>
+        <p:spPr/>
+        <p:txBody>
+          <a:bodyPr/>
+          <a:lstStyle/>
+          <a:p>
+            <a:r>
+              <a:rPr lang="en-US" dirty="0"/>
+              <a:t>Another line on the plots: No gather, but send scattered pieces one-by-one</a:t>
+            </a:r>
+          </a:p>
+          <a:p>
+            <a:r>
+              <a:rPr lang="en-US" dirty="0"/>
+              <a:t>How do these results affect the original story?</a:t>
+            </a:r>
+          </a:p>
+          <a:p>
+            <a:r>
+              <a:rPr lang="en-US" dirty="0"/>
+              <a:t>Contact </a:t>
+            </a:r>
+            <a:r>
+              <a:rPr lang="en-US" dirty="0" err="1"/>
+              <a:t>Yizhou</a:t>
+            </a:r>
+            <a:r>
+              <a:rPr lang="en-US" dirty="0"/>
+              <a:t> for MR details in Storm paper…</a:t>
+            </a:r>
+          </a:p>
+          <a:p>
+            <a:r>
+              <a:rPr lang="en-US" dirty="0"/>
+              <a:t>Understanding ODP – on demand paging in CX-5s</a:t>
+            </a:r>
+          </a:p>
+          <a:p>
+            <a:r>
+              <a:rPr lang="en-US" dirty="0"/>
+              <a:t>Debugging </a:t>
+            </a:r>
+            <a:r>
+              <a:rPr lang="en-US" dirty="0" err="1"/>
+              <a:t>pktgen</a:t>
+            </a:r>
+            <a:endParaRPr lang="en-US" dirty="0"/>
+          </a:p>
+        </p:txBody>
+      </p:sp>
+    </p:spTree>
+    <p:extLst>
+      <p:ext uri="{BB962C8B-B14F-4D97-AF65-F5344CB8AC3E}">
+        <p14:creationId xmlns:p14="http://schemas.microsoft.com/office/powerpoint/2010/main" val="970275032"/>
       </p:ext>
     </p:extLst>
   </p:cSld>
@@ -3479,93 +4368,97 @@
           <a:p>
             <a:r>
               <a:rPr lang="en-US" dirty="0"/>
-              <a:t>RDMA </a:t>
-            </a:r>
+              <a:t>MR numbers (last update)</a:t>
+            </a:r>
+          </a:p>
+        </p:txBody>
+      </p:sp>
+      <p:sp>
+        <p:nvSpPr>
+          <p:cNvPr id="3" name="Content Placeholder 2">
+            <a:extLst>
+              <a:ext uri="{FF2B5EF4-FFF2-40B4-BE49-F238E27FC236}">
+                <a16:creationId xmlns:a16="http://schemas.microsoft.com/office/drawing/2014/main" id="{320A5D36-6D54-4258-A43A-EF0471656EA8}"/>
+              </a:ext>
+            </a:extLst>
+          </p:cNvPr>
+          <p:cNvSpPr>
+            <a:spLocks noGrp="1"/>
+          </p:cNvSpPr>
+          <p:nvPr>
+            <p:ph idx="1"/>
+          </p:nvPr>
+        </p:nvSpPr>
+        <p:spPr/>
+        <p:txBody>
+          <a:bodyPr/>
+          <a:lstStyle/>
+          <a:p>
+            <a:r>
+              <a:rPr lang="en-US" dirty="0"/>
+              <a:t>Max registered buffers ~ 16k for any size</a:t>
+            </a:r>
+          </a:p>
+          <a:p>
+            <a:pPr lvl="1"/>
+            <a:r>
+              <a:rPr lang="en-US" dirty="0"/>
+              <a:t>With 4kB buffers, it’s just 64 MB!</a:t>
+            </a:r>
+          </a:p>
+          <a:p>
+            <a:pPr lvl="1"/>
+            <a:endParaRPr lang="en-US" dirty="0"/>
+          </a:p>
+          <a:p>
+            <a:r>
+              <a:rPr lang="en-US" dirty="0"/>
+              <a:t>Find the TLB cache size</a:t>
+            </a:r>
+          </a:p>
+          <a:p>
+            <a:pPr lvl="1"/>
+            <a:r>
+              <a:rPr lang="en-US" dirty="0"/>
+              <a:t>Increase the number of buffers </a:t>
+            </a:r>
+            <a:r>
+              <a:rPr lang="en-US" dirty="0" err="1"/>
+              <a:t>accesed</a:t>
+            </a:r>
+            <a:r>
+              <a:rPr lang="en-US" dirty="0"/>
+              <a:t> as I measure </a:t>
+            </a:r>
+            <a:r>
+              <a:rPr lang="en-US" dirty="0" err="1"/>
+              <a:t>xput</a:t>
+            </a:r>
+            <a:endParaRPr lang="en-US" dirty="0"/>
+          </a:p>
+          <a:p>
+            <a:pPr lvl="1"/>
             <a:r>
               <a:rPr lang="en-US" dirty="0" err="1"/>
               <a:t>Xput</a:t>
             </a:r>
             <a:r>
               <a:rPr lang="en-US" dirty="0"/>
-              <a:t>: Setup</a:t>
-            </a:r>
-          </a:p>
-        </p:txBody>
-      </p:sp>
-      <p:sp>
-        <p:nvSpPr>
-          <p:cNvPr id="3" name="Content Placeholder 2">
-            <a:extLst>
-              <a:ext uri="{FF2B5EF4-FFF2-40B4-BE49-F238E27FC236}">
-                <a16:creationId xmlns:a16="http://schemas.microsoft.com/office/drawing/2014/main" id="{320A5D36-6D54-4258-A43A-EF0471656EA8}"/>
-              </a:ext>
-            </a:extLst>
-          </p:cNvPr>
-          <p:cNvSpPr>
-            <a:spLocks noGrp="1"/>
-          </p:cNvSpPr>
-          <p:nvPr>
-            <p:ph idx="1"/>
-          </p:nvPr>
-        </p:nvSpPr>
-        <p:spPr/>
-        <p:txBody>
-          <a:bodyPr/>
-          <a:lstStyle/>
+              <a:t> does not change with number of buffers</a:t>
+            </a:r>
+          </a:p>
           <a:p>
             <a:pPr marL="0" indent="0">
               <a:buNone/>
             </a:pPr>
             <a:endParaRPr lang="en-US" dirty="0"/>
           </a:p>
-          <a:p>
-            <a:endParaRPr lang="en-US" dirty="0"/>
-          </a:p>
-          <a:p>
-            <a:endParaRPr lang="en-US" dirty="0"/>
-          </a:p>
-        </p:txBody>
-      </p:sp>
-      <p:pic>
-        <p:nvPicPr>
-          <p:cNvPr id="8" name="Picture 7" descr="Diagram&#10;&#10;Description automatically generated">
-            <a:extLst>
-              <a:ext uri="{FF2B5EF4-FFF2-40B4-BE49-F238E27FC236}">
-                <a16:creationId xmlns:a16="http://schemas.microsoft.com/office/drawing/2014/main" id="{D6AC1EDD-A08C-4B13-AE43-D4F39B809D55}"/>
-              </a:ext>
-            </a:extLst>
-          </p:cNvPr>
-          <p:cNvPicPr>
-            <a:picLocks noChangeAspect="1"/>
-          </p:cNvPicPr>
-          <p:nvPr/>
-        </p:nvPicPr>
-        <p:blipFill>
-          <a:blip r:embed="rId2">
-            <a:extLst>
-              <a:ext uri="{28A0092B-C50C-407E-A947-70E740481C1C}">
-                <a14:useLocalDpi xmlns:a14="http://schemas.microsoft.com/office/drawing/2010/main" val="0"/>
-              </a:ext>
-            </a:extLst>
-          </a:blip>
-          <a:stretch>
-            <a:fillRect/>
-          </a:stretch>
-        </p:blipFill>
-        <p:spPr>
-          <a:xfrm rot="16200000">
-            <a:off x="3507955" y="702843"/>
-            <a:ext cx="4090240" cy="6858000"/>
-          </a:xfrm>
-          <a:prstGeom prst="rect">
-            <a:avLst/>
-          </a:prstGeom>
-        </p:spPr>
-      </p:pic>
+        </p:txBody>
+      </p:sp>
     </p:spTree>
     <p:extLst>
       <p:ext uri="{BB962C8B-B14F-4D97-AF65-F5344CB8AC3E}">
-        <p14:creationId xmlns:p14="http://schemas.microsoft.com/office/powerpoint/2010/main" val="4057665990"/>
+        <p14:creationId xmlns:p14="http://schemas.microsoft.com/office/powerpoint/2010/main" val="4133833620"/>
       </p:ext>
     </p:extLst>
   </p:cSld>
@@ -3614,115 +4507,102 @@
           <a:lstStyle/>
           <a:p>
             <a:r>
-              <a:rPr lang="en-US"/>
-              <a:t>RDMA Write Xput</a:t>
-            </a:r>
+              <a:rPr lang="en-US" dirty="0"/>
+              <a:t>MR numbers (last update)</a:t>
+            </a:r>
+          </a:p>
+        </p:txBody>
+      </p:sp>
+      <p:sp>
+        <p:nvSpPr>
+          <p:cNvPr id="3" name="Content Placeholder 2">
+            <a:extLst>
+              <a:ext uri="{FF2B5EF4-FFF2-40B4-BE49-F238E27FC236}">
+                <a16:creationId xmlns:a16="http://schemas.microsoft.com/office/drawing/2014/main" id="{320A5D36-6D54-4258-A43A-EF0471656EA8}"/>
+              </a:ext>
+            </a:extLst>
+          </p:cNvPr>
+          <p:cNvSpPr>
+            <a:spLocks noGrp="1"/>
+          </p:cNvSpPr>
+          <p:nvPr>
+            <p:ph idx="1"/>
+          </p:nvPr>
+        </p:nvSpPr>
+        <p:spPr/>
+        <p:txBody>
+          <a:bodyPr/>
+          <a:lstStyle/>
+          <a:p>
+            <a:r>
+              <a:rPr lang="en-US" dirty="0"/>
+              <a:t>Max registered buffers ~ 16k for any size</a:t>
+            </a:r>
+          </a:p>
+          <a:p>
+            <a:pPr lvl="1"/>
+            <a:r>
+              <a:rPr lang="en-US" dirty="0"/>
+              <a:t>With 4kB buffers, it’s just 64 MB!</a:t>
+            </a:r>
+          </a:p>
+          <a:p>
+            <a:pPr lvl="1"/>
             <a:endParaRPr lang="en-US" dirty="0"/>
           </a:p>
-        </p:txBody>
-      </p:sp>
-      <p:sp>
-        <p:nvSpPr>
-          <p:cNvPr id="3" name="Content Placeholder 2">
-            <a:extLst>
-              <a:ext uri="{FF2B5EF4-FFF2-40B4-BE49-F238E27FC236}">
-                <a16:creationId xmlns:a16="http://schemas.microsoft.com/office/drawing/2014/main" id="{320A5D36-6D54-4258-A43A-EF0471656EA8}"/>
-              </a:ext>
-            </a:extLst>
-          </p:cNvPr>
-          <p:cNvSpPr>
-            <a:spLocks noGrp="1"/>
-          </p:cNvSpPr>
-          <p:nvPr>
-            <p:ph idx="1"/>
-          </p:nvPr>
-        </p:nvSpPr>
-        <p:spPr/>
-        <p:txBody>
-          <a:bodyPr/>
-          <a:lstStyle/>
-          <a:p>
-            <a:pPr marL="0" indent="0">
-              <a:buNone/>
-            </a:pPr>
-            <a:endParaRPr lang="en-US"/>
-          </a:p>
-          <a:p>
-            <a:endParaRPr lang="en-US"/>
-          </a:p>
-          <a:p>
+          <a:p>
+            <a:r>
+              <a:rPr lang="en-US" dirty="0"/>
+              <a:t>Find the TLB cache size</a:t>
+            </a:r>
+          </a:p>
+          <a:p>
+            <a:pPr lvl="1"/>
+            <a:r>
+              <a:rPr lang="en-US" dirty="0"/>
+              <a:t>Increase the number of buffers </a:t>
+            </a:r>
+            <a:r>
+              <a:rPr lang="en-US" dirty="0" err="1"/>
+              <a:t>accesed</a:t>
+            </a:r>
+            <a:r>
+              <a:rPr lang="en-US" dirty="0"/>
+              <a:t> as I measure </a:t>
+            </a:r>
+            <a:r>
+              <a:rPr lang="en-US" dirty="0" err="1"/>
+              <a:t>xput</a:t>
+            </a:r>
             <a:endParaRPr lang="en-US" dirty="0"/>
           </a:p>
-        </p:txBody>
-      </p:sp>
-      <p:pic>
-        <p:nvPicPr>
-          <p:cNvPr id="13" name="Picture 12" descr="Chart, line chart&#10;&#10;Description automatically generated">
-            <a:extLst>
-              <a:ext uri="{FF2B5EF4-FFF2-40B4-BE49-F238E27FC236}">
-                <a16:creationId xmlns:a16="http://schemas.microsoft.com/office/drawing/2014/main" id="{8CD2062E-4911-4D78-9EC7-0ACBAC5CB46E}"/>
-              </a:ext>
-            </a:extLst>
-          </p:cNvPr>
-          <p:cNvPicPr>
-            <a:picLocks noChangeAspect="1"/>
-          </p:cNvPicPr>
-          <p:nvPr/>
-        </p:nvPicPr>
-        <p:blipFill>
-          <a:blip r:embed="rId2">
-            <a:extLst>
-              <a:ext uri="{28A0092B-C50C-407E-A947-70E740481C1C}">
-                <a14:useLocalDpi xmlns:a14="http://schemas.microsoft.com/office/drawing/2010/main" val="0"/>
-              </a:ext>
-            </a:extLst>
-          </a:blip>
-          <a:stretch>
-            <a:fillRect/>
-          </a:stretch>
-        </p:blipFill>
-        <p:spPr>
-          <a:xfrm>
-            <a:off x="3352794" y="2172489"/>
-            <a:ext cx="5486411" cy="3657607"/>
-          </a:xfrm>
-          <a:prstGeom prst="rect">
-            <a:avLst/>
-          </a:prstGeom>
-        </p:spPr>
-      </p:pic>
-      <p:sp>
-        <p:nvSpPr>
-          <p:cNvPr id="14" name="TextBox 13">
-            <a:extLst>
-              <a:ext uri="{FF2B5EF4-FFF2-40B4-BE49-F238E27FC236}">
-                <a16:creationId xmlns:a16="http://schemas.microsoft.com/office/drawing/2014/main" id="{B46F8E16-B1C5-46D0-B9A9-6C2B2D554987}"/>
-              </a:ext>
-            </a:extLst>
-          </p:cNvPr>
-          <p:cNvSpPr txBox="1"/>
-          <p:nvPr/>
-        </p:nvSpPr>
-        <p:spPr>
-          <a:xfrm>
-            <a:off x="7400925" y="1987823"/>
-            <a:ext cx="3305175" cy="369332"/>
-          </a:xfrm>
-          <a:prstGeom prst="rect">
-            <a:avLst/>
-          </a:prstGeom>
-          <a:noFill/>
-        </p:spPr>
-        <p:txBody>
-          <a:bodyPr wrap="square" rtlCol="0">
-            <a:spAutoFit/>
-          </a:bodyPr>
-          <a:lstStyle/>
-          <a:p>
-            <a:pPr marL="285750" indent="-285750">
-              <a:buFont typeface="Arial" panose="020B0604020202020204" pitchFamily="34" charset="0"/>
-              <a:buChar char="•"/>
-            </a:pPr>
+          <a:p>
+            <a:pPr lvl="1"/>
+            <a:r>
+              <a:rPr lang="en-US" dirty="0" err="1"/>
+              <a:t>Xput</a:t>
+            </a:r>
+            <a:r>
+              <a:rPr lang="en-US" dirty="0"/>
+              <a:t> does not change with number of buffers</a:t>
+            </a:r>
+          </a:p>
+          <a:p>
+            <a:pPr lvl="1"/>
+            <a:r>
+              <a:rPr lang="en-US" i="1" dirty="0"/>
+              <a:t>Randomized access to buffers did not help</a:t>
+            </a:r>
+          </a:p>
+          <a:p>
+            <a:pPr lvl="1"/>
+            <a:r>
+              <a:rPr lang="en-US" i="1" dirty="0"/>
+              <a:t>Could not find a hardware manual either</a:t>
+            </a:r>
+          </a:p>
+          <a:p>
+            <a:pPr lvl="1"/>
             <a:endParaRPr lang="en-US" dirty="0"/>
           </a:p>
         </p:txBody>
@@ -3730,7 +4610,7 @@
     </p:spTree>
     <p:extLst>
       <p:ext uri="{BB962C8B-B14F-4D97-AF65-F5344CB8AC3E}">
-        <p14:creationId xmlns:p14="http://schemas.microsoft.com/office/powerpoint/2010/main" val="981427324"/>
+        <p14:creationId xmlns:p14="http://schemas.microsoft.com/office/powerpoint/2010/main" val="121312446"/>
       </p:ext>
     </p:extLst>
   </p:cSld>
@@ -3779,10 +4659,9 @@
           <a:lstStyle/>
           <a:p>
             <a:r>
-              <a:rPr lang="en-US"/>
-              <a:t>RDMA Write Xput</a:t>
-            </a:r>
-            <a:endParaRPr lang="en-US" dirty="0"/>
+              <a:rPr lang="en-US" dirty="0"/>
+              <a:t>MR numbers</a:t>
+            </a:r>
           </a:p>
         </p:txBody>
       </p:sp>
@@ -3801,58 +4680,62 @@
           <p:nvPr>
             <p:ph idx="1"/>
           </p:nvPr>
-        </p:nvSpPr>
-        <p:spPr/>
-        <p:txBody>
-          <a:bodyPr/>
-          <a:lstStyle/>
-          <a:p>
-            <a:pPr marL="0" indent="0">
-              <a:buNone/>
-            </a:pPr>
-            <a:endParaRPr lang="en-US"/>
-          </a:p>
-          <a:p>
-            <a:endParaRPr lang="en-US"/>
-          </a:p>
-          <a:p>
-            <a:endParaRPr lang="en-US" dirty="0"/>
-          </a:p>
-        </p:txBody>
-      </p:sp>
-      <p:sp>
-        <p:nvSpPr>
-          <p:cNvPr id="14" name="TextBox 13">
-            <a:extLst>
-              <a:ext uri="{FF2B5EF4-FFF2-40B4-BE49-F238E27FC236}">
-                <a16:creationId xmlns:a16="http://schemas.microsoft.com/office/drawing/2014/main" id="{B46F8E16-B1C5-46D0-B9A9-6C2B2D554987}"/>
-              </a:ext>
-            </a:extLst>
-          </p:cNvPr>
-          <p:cNvSpPr txBox="1"/>
-          <p:nvPr/>
         </p:nvSpPr>
         <p:spPr>
           <a:xfrm>
-            <a:off x="7400925" y="1987823"/>
-            <a:ext cx="3305175" cy="369332"/>
+            <a:off x="838199" y="1825625"/>
+            <a:ext cx="4360817" cy="4351338"/>
           </a:xfrm>
-          <a:prstGeom prst="rect">
-            <a:avLst/>
-          </a:prstGeom>
-          <a:noFill/>
         </p:spPr>
         <p:txBody>
-          <a:bodyPr wrap="square" rtlCol="0">
-            <a:spAutoFit/>
+          <a:bodyPr>
+            <a:normAutofit/>
           </a:bodyPr>
           <a:lstStyle/>
           <a:p>
-            <a:pPr marL="285750" indent="-285750">
-              <a:buFont typeface="Arial" panose="020B0604020202020204" pitchFamily="34" charset="0"/>
-              <a:buChar char="•"/>
+            <a:pPr marL="0" indent="0">
+              <a:buNone/>
             </a:pPr>
-            <a:endParaRPr lang="en-US" dirty="0"/>
+            <a:r>
+              <a:rPr lang="en-US" u="sng" dirty="0" err="1"/>
+              <a:t>StoRM</a:t>
+            </a:r>
+            <a:r>
+              <a:rPr lang="en-US" u="sng" dirty="0"/>
+              <a:t> paper</a:t>
+            </a:r>
+          </a:p>
+          <a:p>
+            <a:r>
+              <a:rPr lang="en-US" dirty="0"/>
+              <a:t>Claim: diff between solid lines = TLB faults</a:t>
+            </a:r>
+          </a:p>
+          <a:p>
+            <a:r>
+              <a:rPr lang="en-US" dirty="0"/>
+              <a:t>Setup</a:t>
+            </a:r>
+          </a:p>
+          <a:p>
+            <a:pPr lvl="1"/>
+            <a:r>
+              <a:rPr lang="en-US" dirty="0"/>
+              <a:t>20GB registered memory, random 64B access. </a:t>
+            </a:r>
+          </a:p>
+          <a:p>
+            <a:pPr lvl="1"/>
+            <a:r>
+              <a:rPr lang="en-US" dirty="0"/>
+              <a:t>Uses CX-5s</a:t>
+            </a:r>
+          </a:p>
+          <a:p>
+            <a:r>
+              <a:rPr lang="en-US" dirty="0"/>
+              <a:t>Not too clear on other details</a:t>
+            </a:r>
           </a:p>
         </p:txBody>
       </p:sp>
@@ -3861,7 +4744,7 @@
           <p:cNvPr id="5" name="Picture 4" descr="Chart, line chart&#10;&#10;Description automatically generated">
             <a:extLst>
               <a:ext uri="{FF2B5EF4-FFF2-40B4-BE49-F238E27FC236}">
-                <a16:creationId xmlns:a16="http://schemas.microsoft.com/office/drawing/2014/main" id="{C69BDB71-085E-4BE8-8D46-4547615E4DFC}"/>
+                <a16:creationId xmlns:a16="http://schemas.microsoft.com/office/drawing/2014/main" id="{09324E60-A632-4B7A-AA85-ABFDCFC9D65D}"/>
               </a:ext>
             </a:extLst>
           </p:cNvPr>
@@ -3884,18 +4767,32 @@
         </p:blipFill>
         <p:spPr>
           <a:xfrm>
-            <a:off x="3352794" y="2172490"/>
-            <a:ext cx="5486411" cy="3657607"/>
+            <a:off x="5537695" y="1099429"/>
+            <a:ext cx="5906324" cy="5077534"/>
           </a:xfrm>
           <a:prstGeom prst="rect">
             <a:avLst/>
           </a:prstGeom>
+          <a:ln w="38100" cap="sq">
+            <a:solidFill>
+              <a:srgbClr val="000000"/>
+            </a:solidFill>
+            <a:prstDash val="solid"/>
+            <a:miter lim="800000"/>
+          </a:ln>
+          <a:effectLst>
+            <a:outerShdw blurRad="50800" dist="38100" dir="2700000" algn="tl" rotWithShape="0">
+              <a:srgbClr val="000000">
+                <a:alpha val="43000"/>
+              </a:srgbClr>
+            </a:outerShdw>
+          </a:effectLst>
         </p:spPr>
       </p:pic>
     </p:spTree>
     <p:extLst>
       <p:ext uri="{BB962C8B-B14F-4D97-AF65-F5344CB8AC3E}">
-        <p14:creationId xmlns:p14="http://schemas.microsoft.com/office/powerpoint/2010/main" val="2044706556"/>
+        <p14:creationId xmlns:p14="http://schemas.microsoft.com/office/powerpoint/2010/main" val="2338721782"/>
       </p:ext>
     </p:extLst>
   </p:cSld>
@@ -3927,7 +4824,7 @@
           <p:cNvPr id="2" name="Title 1">
             <a:extLst>
               <a:ext uri="{FF2B5EF4-FFF2-40B4-BE49-F238E27FC236}">
-                <a16:creationId xmlns:a16="http://schemas.microsoft.com/office/drawing/2014/main" id="{8FE0DA5B-5A5E-4213-B49F-9DE026FDA5F7}"/>
+                <a16:creationId xmlns:a16="http://schemas.microsoft.com/office/drawing/2014/main" id="{0AA71F30-36D8-4D28-A15A-503FB3596FC5}"/>
               </a:ext>
             </a:extLst>
           </p:cNvPr>
@@ -3945,36 +4842,72 @@
           <a:p>
             <a:r>
               <a:rPr lang="en-US" dirty="0"/>
-              <a:t>RDMA Read </a:t>
+              <a:t>Scatter-gather ops</a:t>
+            </a:r>
+          </a:p>
+        </p:txBody>
+      </p:sp>
+      <p:sp>
+        <p:nvSpPr>
+          <p:cNvPr id="3" name="Content Placeholder 2">
+            <a:extLst>
+              <a:ext uri="{FF2B5EF4-FFF2-40B4-BE49-F238E27FC236}">
+                <a16:creationId xmlns:a16="http://schemas.microsoft.com/office/drawing/2014/main" id="{C456651E-092A-4E1E-9B37-422B1988BF41}"/>
+              </a:ext>
+            </a:extLst>
+          </p:cNvPr>
+          <p:cNvSpPr>
+            <a:spLocks noGrp="1"/>
+          </p:cNvSpPr>
+          <p:nvPr>
+            <p:ph idx="1"/>
+          </p:nvPr>
+        </p:nvSpPr>
+        <p:spPr/>
+        <p:txBody>
+          <a:bodyPr/>
+          <a:lstStyle/>
+          <a:p>
+            <a:pPr marL="0" indent="0">
+              <a:buNone/>
+            </a:pPr>
+            <a:r>
+              <a:rPr lang="en-US" dirty="0"/>
+              <a:t>Three data transfer options for a message:</a:t>
+            </a:r>
+          </a:p>
+          <a:p>
+            <a:pPr marL="914400" lvl="1" indent="-457200">
+              <a:buAutoNum type="arabicPeriod"/>
+            </a:pPr>
+            <a:r>
+              <a:rPr lang="en-US" dirty="0"/>
+              <a:t>No gather: data already available in single buffer</a:t>
+            </a:r>
+          </a:p>
+          <a:p>
+            <a:pPr marL="914400" lvl="1" indent="-457200">
+              <a:buAutoNum type="arabicPeriod"/>
+            </a:pPr>
+            <a:r>
+              <a:rPr lang="en-US" dirty="0"/>
+              <a:t>CPU-gather: CPU puts the message together from multiple pieces before </a:t>
             </a:r>
             <a:r>
               <a:rPr lang="en-US" dirty="0" err="1"/>
-              <a:t>Xput</a:t>
+              <a:t>xmit</a:t>
             </a:r>
             <a:endParaRPr lang="en-US" dirty="0"/>
           </a:p>
-        </p:txBody>
-      </p:sp>
-      <p:sp>
-        <p:nvSpPr>
-          <p:cNvPr id="3" name="Content Placeholder 2">
-            <a:extLst>
-              <a:ext uri="{FF2B5EF4-FFF2-40B4-BE49-F238E27FC236}">
-                <a16:creationId xmlns:a16="http://schemas.microsoft.com/office/drawing/2014/main" id="{320A5D36-6D54-4258-A43A-EF0471656EA8}"/>
-              </a:ext>
-            </a:extLst>
-          </p:cNvPr>
-          <p:cNvSpPr>
-            <a:spLocks noGrp="1"/>
-          </p:cNvSpPr>
-          <p:nvPr>
-            <p:ph idx="1"/>
-          </p:nvPr>
-        </p:nvSpPr>
-        <p:spPr/>
-        <p:txBody>
-          <a:bodyPr/>
-          <a:lstStyle/>
+          <a:p>
+            <a:pPr marL="914400" lvl="1" indent="-457200">
+              <a:buAutoNum type="arabicPeriod"/>
+            </a:pPr>
+            <a:r>
+              <a:rPr lang="en-US" dirty="0"/>
+              <a:t>NIC-gather: RDMA SG op. NIC puts the message together.</a:t>
+            </a:r>
+          </a:p>
           <a:p>
             <a:pPr marL="0" indent="0">
               <a:buNone/>
@@ -3982,53 +4915,47 @@
             <a:endParaRPr lang="en-US" dirty="0"/>
           </a:p>
           <a:p>
-            <a:endParaRPr lang="en-US" dirty="0"/>
-          </a:p>
-          <a:p>
-            <a:endParaRPr lang="en-US" dirty="0"/>
-          </a:p>
-        </p:txBody>
-      </p:sp>
-      <p:pic>
-        <p:nvPicPr>
-          <p:cNvPr id="5" name="Picture 4" descr="Chart, line chart&#10;&#10;Description automatically generated">
-            <a:extLst>
-              <a:ext uri="{FF2B5EF4-FFF2-40B4-BE49-F238E27FC236}">
-                <a16:creationId xmlns:a16="http://schemas.microsoft.com/office/drawing/2014/main" id="{30C57705-F789-44F6-A56E-62BE218D974A}"/>
-              </a:ext>
-            </a:extLst>
-          </p:cNvPr>
-          <p:cNvPicPr>
-            <a:picLocks noChangeAspect="1"/>
-          </p:cNvPicPr>
-          <p:nvPr/>
-        </p:nvPicPr>
-        <p:blipFill>
-          <a:blip r:embed="rId2">
-            <a:extLst>
-              <a:ext uri="{28A0092B-C50C-407E-A947-70E740481C1C}">
-                <a14:useLocalDpi xmlns:a14="http://schemas.microsoft.com/office/drawing/2010/main" val="0"/>
-              </a:ext>
-            </a:extLst>
-          </a:blip>
-          <a:stretch>
-            <a:fillRect/>
-          </a:stretch>
-        </p:blipFill>
-        <p:spPr>
-          <a:xfrm>
-            <a:off x="3352794" y="2172490"/>
-            <a:ext cx="5486411" cy="3657607"/>
-          </a:xfrm>
-          <a:prstGeom prst="rect">
-            <a:avLst/>
-          </a:prstGeom>
-        </p:spPr>
-      </p:pic>
+            <a:pPr marL="0" indent="0">
+              <a:buNone/>
+            </a:pPr>
+            <a:r>
+              <a:rPr lang="en-US" dirty="0"/>
+              <a:t>Variables:</a:t>
+            </a:r>
+          </a:p>
+          <a:p>
+            <a:pPr marL="914400" lvl="1" indent="-457200">
+              <a:buAutoNum type="arabicPeriod"/>
+            </a:pPr>
+            <a:r>
+              <a:rPr lang="en-US" b="1" dirty="0"/>
+              <a:t>Message size</a:t>
+            </a:r>
+          </a:p>
+          <a:p>
+            <a:pPr marL="914400" lvl="1" indent="-457200">
+              <a:buAutoNum type="arabicPeriod"/>
+            </a:pPr>
+            <a:r>
+              <a:rPr lang="en-US" dirty="0"/>
+              <a:t>Concurrent requests in flight </a:t>
+            </a:r>
+          </a:p>
+          <a:p>
+            <a:pPr marL="914400" lvl="1" indent="-457200">
+              <a:buAutoNum type="arabicPeriod"/>
+            </a:pPr>
+            <a:r>
+              <a:rPr lang="en-US" b="1" dirty="0"/>
+              <a:t>Num of pieces </a:t>
+            </a:r>
+          </a:p>
+        </p:txBody>
+      </p:sp>
     </p:spTree>
     <p:extLst>
       <p:ext uri="{BB962C8B-B14F-4D97-AF65-F5344CB8AC3E}">
-        <p14:creationId xmlns:p14="http://schemas.microsoft.com/office/powerpoint/2010/main" val="2494784146"/>
+        <p14:creationId xmlns:p14="http://schemas.microsoft.com/office/powerpoint/2010/main" val="3456243228"/>
       </p:ext>
     </p:extLst>
   </p:cSld>
@@ -4060,7 +4987,7 @@
           <p:cNvPr id="2" name="Title 1">
             <a:extLst>
               <a:ext uri="{FF2B5EF4-FFF2-40B4-BE49-F238E27FC236}">
-                <a16:creationId xmlns:a16="http://schemas.microsoft.com/office/drawing/2014/main" id="{8FE0DA5B-5A5E-4213-B49F-9DE026FDA5F7}"/>
+                <a16:creationId xmlns:a16="http://schemas.microsoft.com/office/drawing/2014/main" id="{C49BE9F8-24AA-4E4A-8010-F68AA0ABBBE0}"/>
               </a:ext>
             </a:extLst>
           </p:cNvPr>
@@ -4078,58 +5005,26 @@
           <a:p>
             <a:r>
               <a:rPr lang="en-US" dirty="0"/>
-              <a:t>RDMA one-sided RTT</a:t>
-            </a:r>
-          </a:p>
-        </p:txBody>
-      </p:sp>
-      <p:sp>
-        <p:nvSpPr>
-          <p:cNvPr id="3" name="Content Placeholder 2">
-            <a:extLst>
-              <a:ext uri="{FF2B5EF4-FFF2-40B4-BE49-F238E27FC236}">
-                <a16:creationId xmlns:a16="http://schemas.microsoft.com/office/drawing/2014/main" id="{320A5D36-6D54-4258-A43A-EF0471656EA8}"/>
-              </a:ext>
-            </a:extLst>
-          </p:cNvPr>
-          <p:cNvSpPr>
-            <a:spLocks noGrp="1"/>
-          </p:cNvSpPr>
-          <p:nvPr>
-            <p:ph idx="1"/>
-          </p:nvPr>
-        </p:nvSpPr>
-        <p:spPr/>
-        <p:txBody>
-          <a:bodyPr/>
-          <a:lstStyle/>
-          <a:p>
-            <a:pPr marL="0" indent="0">
-              <a:buNone/>
-            </a:pPr>
-            <a:endParaRPr lang="en-US" dirty="0"/>
-          </a:p>
-          <a:p>
-            <a:endParaRPr lang="en-US" dirty="0"/>
-          </a:p>
-          <a:p>
-            <a:endParaRPr lang="en-US" dirty="0"/>
+              <a:t>Scatter-gather ops</a:t>
+            </a:r>
           </a:p>
         </p:txBody>
       </p:sp>
       <p:pic>
         <p:nvPicPr>
-          <p:cNvPr id="6" name="Picture 5" descr="Chart, line chart, histogram&#10;&#10;Description automatically generated">
-            <a:extLst>
-              <a:ext uri="{FF2B5EF4-FFF2-40B4-BE49-F238E27FC236}">
-                <a16:creationId xmlns:a16="http://schemas.microsoft.com/office/drawing/2014/main" id="{1922005D-3284-4534-BE15-A1D575470C53}"/>
+          <p:cNvPr id="11" name="Content Placeholder 10" descr="Chart, line chart&#10;&#10;Description automatically generated">
+            <a:extLst>
+              <a:ext uri="{FF2B5EF4-FFF2-40B4-BE49-F238E27FC236}">
+                <a16:creationId xmlns:a16="http://schemas.microsoft.com/office/drawing/2014/main" id="{84BE0EA5-D55A-4CF4-9C69-6242E732F053}"/>
               </a:ext>
             </a:extLst>
           </p:cNvPr>
           <p:cNvPicPr>
-            <a:picLocks noChangeAspect="1"/>
+            <a:picLocks noGrp="1" noChangeAspect="1"/>
           </p:cNvPicPr>
-          <p:nvPr/>
+          <p:nvPr>
+            <p:ph idx="1"/>
+          </p:nvPr>
         </p:nvPicPr>
         <p:blipFill>
           <a:blip r:embed="rId2">
@@ -4145,18 +5040,58 @@
         </p:blipFill>
         <p:spPr>
           <a:xfrm>
-            <a:off x="3352794" y="2172490"/>
+            <a:off x="3352794" y="2286000"/>
             <a:ext cx="5486411" cy="3657607"/>
+          </a:xfrm>
+        </p:spPr>
+      </p:pic>
+      <p:sp>
+        <p:nvSpPr>
+          <p:cNvPr id="22" name="TextBox 21">
+            <a:extLst>
+              <a:ext uri="{FF2B5EF4-FFF2-40B4-BE49-F238E27FC236}">
+                <a16:creationId xmlns:a16="http://schemas.microsoft.com/office/drawing/2014/main" id="{22A2DF8D-9666-4CB2-8605-EF83D06034B8}"/>
+              </a:ext>
+            </a:extLst>
+          </p:cNvPr>
+          <p:cNvSpPr txBox="1"/>
+          <p:nvPr/>
+        </p:nvSpPr>
+        <p:spPr>
+          <a:xfrm>
+            <a:off x="1095912" y="6123543"/>
+            <a:ext cx="10000173" cy="369332"/>
           </a:xfrm>
           <a:prstGeom prst="rect">
             <a:avLst/>
           </a:prstGeom>
+          <a:noFill/>
         </p:spPr>
-      </p:pic>
+        <p:txBody>
+          <a:bodyPr wrap="none" rtlCol="0">
+            <a:spAutoFit/>
+          </a:bodyPr>
+          <a:lstStyle/>
+          <a:p>
+            <a:r>
+              <a:rPr lang="en-US" dirty="0"/>
+              <a:t>NIC gather drops dramatically: indicates that </a:t>
+            </a:r>
+            <a:r>
+              <a:rPr lang="en-US" dirty="0" err="1"/>
+              <a:t>xput</a:t>
+            </a:r>
+            <a:r>
+              <a:rPr lang="en-US" dirty="0"/>
+              <a:t> is originally limited by PCIe (or NIC side), not Host CPU </a:t>
+            </a:r>
+          </a:p>
+        </p:txBody>
+      </p:sp>
     </p:spTree>
     <p:extLst>
       <p:ext uri="{BB962C8B-B14F-4D97-AF65-F5344CB8AC3E}">
-        <p14:creationId xmlns:p14="http://schemas.microsoft.com/office/powerpoint/2010/main" val="3152993845"/>
+        <p14:creationId xmlns:p14="http://schemas.microsoft.com/office/powerpoint/2010/main" val="2537788645"/>
       </p:ext>
     </p:extLst>
   </p:cSld>
@@ -4188,7 +5123,7 @@
           <p:cNvPr id="2" name="Title 1">
             <a:extLst>
               <a:ext uri="{FF2B5EF4-FFF2-40B4-BE49-F238E27FC236}">
-                <a16:creationId xmlns:a16="http://schemas.microsoft.com/office/drawing/2014/main" id="{8FE0DA5B-5A5E-4213-B49F-9DE026FDA5F7}"/>
+                <a16:creationId xmlns:a16="http://schemas.microsoft.com/office/drawing/2014/main" id="{C49BE9F8-24AA-4E4A-8010-F68AA0ABBBE0}"/>
               </a:ext>
             </a:extLst>
           </p:cNvPr>
@@ -4206,81 +5141,86 @@
           <a:p>
             <a:r>
               <a:rPr lang="en-US" dirty="0"/>
-              <a:t>Coming week</a:t>
-            </a:r>
-          </a:p>
-        </p:txBody>
-      </p:sp>
-      <p:sp>
-        <p:nvSpPr>
-          <p:cNvPr id="3" name="Content Placeholder 2">
-            <a:extLst>
-              <a:ext uri="{FF2B5EF4-FFF2-40B4-BE49-F238E27FC236}">
-                <a16:creationId xmlns:a16="http://schemas.microsoft.com/office/drawing/2014/main" id="{320A5D36-6D54-4258-A43A-EF0471656EA8}"/>
-              </a:ext>
-            </a:extLst>
-          </p:cNvPr>
-          <p:cNvSpPr>
-            <a:spLocks noGrp="1"/>
-          </p:cNvSpPr>
-          <p:nvPr>
-            <p:ph idx="1"/>
-          </p:nvPr>
-        </p:nvSpPr>
-        <p:spPr/>
-        <p:txBody>
-          <a:bodyPr/>
-          <a:lstStyle/>
-          <a:p>
-            <a:pPr marL="0" indent="0">
-              <a:buNone/>
-            </a:pPr>
-            <a:r>
-              <a:rPr lang="en-US" dirty="0"/>
-              <a:t>Get similar numbers when using:</a:t>
-            </a:r>
-          </a:p>
-          <a:p>
-            <a:pPr lvl="1"/>
-            <a:r>
-              <a:rPr lang="en-US" dirty="0"/>
-              <a:t>scatter-gather </a:t>
-            </a:r>
-          </a:p>
-          <a:p>
-            <a:pPr lvl="1"/>
-            <a:r>
-              <a:rPr lang="en-US" dirty="0"/>
-              <a:t>multiple threads per queue pair</a:t>
-            </a:r>
-          </a:p>
-          <a:p>
-            <a:pPr lvl="1"/>
-            <a:r>
-              <a:rPr lang="en-US" dirty="0"/>
-              <a:t>large number of registered buffers</a:t>
-            </a:r>
-          </a:p>
-          <a:p>
-            <a:pPr lvl="1"/>
-            <a:r>
-              <a:rPr lang="en-US" dirty="0"/>
-              <a:t>memory registration in the data path</a:t>
-            </a:r>
-          </a:p>
-          <a:p>
-            <a:pPr lvl="1"/>
-            <a:endParaRPr lang="en-US" dirty="0"/>
-          </a:p>
-          <a:p>
-            <a:endParaRPr lang="en-US" dirty="0"/>
+              <a:t>Scatter-gather ops</a:t>
+            </a:r>
+          </a:p>
+        </p:txBody>
+      </p:sp>
+      <p:pic>
+        <p:nvPicPr>
+          <p:cNvPr id="13" name="Picture 12" descr="Chart, line chart&#10;&#10;Description automatically generated">
+            <a:extLst>
+              <a:ext uri="{FF2B5EF4-FFF2-40B4-BE49-F238E27FC236}">
+                <a16:creationId xmlns:a16="http://schemas.microsoft.com/office/drawing/2014/main" id="{CEEEA0AE-4030-48B6-A02C-DD9DA6D2724C}"/>
+              </a:ext>
+            </a:extLst>
+          </p:cNvPr>
+          <p:cNvPicPr>
+            <a:picLocks noChangeAspect="1"/>
+          </p:cNvPicPr>
+          <p:nvPr/>
+        </p:nvPicPr>
+        <p:blipFill>
+          <a:blip r:embed="rId2">
+            <a:extLst>
+              <a:ext uri="{28A0092B-C50C-407E-A947-70E740481C1C}">
+                <a14:useLocalDpi xmlns:a14="http://schemas.microsoft.com/office/drawing/2010/main" val="0"/>
+              </a:ext>
+            </a:extLst>
+          </a:blip>
+          <a:stretch>
+            <a:fillRect/>
+          </a:stretch>
+        </p:blipFill>
+        <p:spPr>
+          <a:xfrm>
+            <a:off x="3352794" y="2286000"/>
+            <a:ext cx="5486411" cy="3657607"/>
+          </a:xfrm>
+          <a:prstGeom prst="rect">
+            <a:avLst/>
+          </a:prstGeom>
+        </p:spPr>
+      </p:pic>
+      <p:sp>
+        <p:nvSpPr>
+          <p:cNvPr id="5" name="TextBox 4">
+            <a:extLst>
+              <a:ext uri="{FF2B5EF4-FFF2-40B4-BE49-F238E27FC236}">
+                <a16:creationId xmlns:a16="http://schemas.microsoft.com/office/drawing/2014/main" id="{0C29F79A-9D7D-486C-ABF6-0C0EC982C863}"/>
+              </a:ext>
+            </a:extLst>
+          </p:cNvPr>
+          <p:cNvSpPr txBox="1"/>
+          <p:nvPr/>
+        </p:nvSpPr>
+        <p:spPr>
+          <a:xfrm>
+            <a:off x="2946103" y="6169587"/>
+            <a:ext cx="6518964" cy="369332"/>
+          </a:xfrm>
+          <a:prstGeom prst="rect">
+            <a:avLst/>
+          </a:prstGeom>
+          <a:noFill/>
+        </p:spPr>
+        <p:txBody>
+          <a:bodyPr wrap="none" rtlCol="0">
+            <a:spAutoFit/>
+          </a:bodyPr>
+          <a:lstStyle/>
+          <a:p>
+            <a:r>
+              <a:rPr lang="en-US" dirty="0"/>
+              <a:t>No diff from 64B: For CPU, it may be the cache-line. For NIC-gather?</a:t>
+            </a:r>
           </a:p>
         </p:txBody>
       </p:sp>
     </p:spTree>
     <p:extLst>
       <p:ext uri="{BB962C8B-B14F-4D97-AF65-F5344CB8AC3E}">
-        <p14:creationId xmlns:p14="http://schemas.microsoft.com/office/powerpoint/2010/main" val="4133833620"/>
+        <p14:creationId xmlns:p14="http://schemas.microsoft.com/office/powerpoint/2010/main" val="780166755"/>
       </p:ext>
     </p:extLst>
   </p:cSld>
@@ -4312,7 +5252,7 @@
           <p:cNvPr id="2" name="Title 1">
             <a:extLst>
               <a:ext uri="{FF2B5EF4-FFF2-40B4-BE49-F238E27FC236}">
-                <a16:creationId xmlns:a16="http://schemas.microsoft.com/office/drawing/2014/main" id="{8FE0DA5B-5A5E-4213-B49F-9DE026FDA5F7}"/>
+                <a16:creationId xmlns:a16="http://schemas.microsoft.com/office/drawing/2014/main" id="{C49BE9F8-24AA-4E4A-8010-F68AA0ABBBE0}"/>
               </a:ext>
             </a:extLst>
           </p:cNvPr>
@@ -4329,51 +5269,52 @@
           <a:lstStyle/>
           <a:p>
             <a:r>
-              <a:rPr lang="en-US" dirty="0" err="1"/>
-              <a:t>Misc</a:t>
-            </a:r>
-            <a:endParaRPr lang="en-US" dirty="0"/>
-          </a:p>
-        </p:txBody>
-      </p:sp>
-      <p:sp>
-        <p:nvSpPr>
-          <p:cNvPr id="3" name="Content Placeholder 2">
-            <a:extLst>
-              <a:ext uri="{FF2B5EF4-FFF2-40B4-BE49-F238E27FC236}">
-                <a16:creationId xmlns:a16="http://schemas.microsoft.com/office/drawing/2014/main" id="{320A5D36-6D54-4258-A43A-EF0471656EA8}"/>
-              </a:ext>
-            </a:extLst>
-          </p:cNvPr>
-          <p:cNvSpPr>
-            <a:spLocks noGrp="1"/>
-          </p:cNvSpPr>
-          <p:nvPr>
-            <p:ph idx="1"/>
-          </p:nvPr>
-        </p:nvSpPr>
-        <p:spPr/>
-        <p:txBody>
-          <a:bodyPr/>
-          <a:lstStyle/>
-          <a:p>
-            <a:pPr marL="0" indent="0">
-              <a:buNone/>
-            </a:pPr>
-            <a:endParaRPr lang="en-US" dirty="0"/>
-          </a:p>
-          <a:p>
-            <a:endParaRPr lang="en-US" dirty="0"/>
-          </a:p>
-          <a:p>
-            <a:endParaRPr lang="en-US" dirty="0"/>
-          </a:p>
-        </p:txBody>
-      </p:sp>
+              <a:rPr lang="en-US" dirty="0"/>
+              <a:t>Scatter-gather ops</a:t>
+            </a:r>
+          </a:p>
+        </p:txBody>
+      </p:sp>
+      <p:pic>
+        <p:nvPicPr>
+          <p:cNvPr id="17" name="Picture 16" descr="Chart, line chart&#10;&#10;Description automatically generated">
+            <a:extLst>
+              <a:ext uri="{FF2B5EF4-FFF2-40B4-BE49-F238E27FC236}">
+                <a16:creationId xmlns:a16="http://schemas.microsoft.com/office/drawing/2014/main" id="{4C9137E0-8EBB-4C8B-8035-3393C15A7C99}"/>
+              </a:ext>
+            </a:extLst>
+          </p:cNvPr>
+          <p:cNvPicPr>
+            <a:picLocks noChangeAspect="1"/>
+          </p:cNvPicPr>
+          <p:nvPr/>
+        </p:nvPicPr>
+        <p:blipFill>
+          <a:blip r:embed="rId2">
+            <a:extLst>
+              <a:ext uri="{28A0092B-C50C-407E-A947-70E740481C1C}">
+                <a14:useLocalDpi xmlns:a14="http://schemas.microsoft.com/office/drawing/2010/main" val="0"/>
+              </a:ext>
+            </a:extLst>
+          </a:blip>
+          <a:stretch>
+            <a:fillRect/>
+          </a:stretch>
+        </p:blipFill>
+        <p:spPr>
+          <a:xfrm>
+            <a:off x="3352794" y="2286000"/>
+            <a:ext cx="5486411" cy="3657607"/>
+          </a:xfrm>
+          <a:prstGeom prst="rect">
+            <a:avLst/>
+          </a:prstGeom>
+        </p:spPr>
+      </p:pic>
     </p:spTree>
     <p:extLst>
       <p:ext uri="{BB962C8B-B14F-4D97-AF65-F5344CB8AC3E}">
-        <p14:creationId xmlns:p14="http://schemas.microsoft.com/office/powerpoint/2010/main" val="2338721782"/>
+        <p14:creationId xmlns:p14="http://schemas.microsoft.com/office/powerpoint/2010/main" val="2214603271"/>
       </p:ext>
     </p:extLst>
   </p:cSld>
@@ -4405,7 +5346,7 @@
           <p:cNvPr id="2" name="Title 1">
             <a:extLst>
               <a:ext uri="{FF2B5EF4-FFF2-40B4-BE49-F238E27FC236}">
-                <a16:creationId xmlns:a16="http://schemas.microsoft.com/office/drawing/2014/main" id="{8FE0DA5B-5A5E-4213-B49F-9DE026FDA5F7}"/>
+                <a16:creationId xmlns:a16="http://schemas.microsoft.com/office/drawing/2014/main" id="{C49BE9F8-24AA-4E4A-8010-F68AA0ABBBE0}"/>
               </a:ext>
             </a:extLst>
           </p:cNvPr>
@@ -4423,56 +5364,17 @@
           <a:p>
             <a:r>
               <a:rPr lang="en-US" dirty="0"/>
-              <a:t>RDMA Read </a:t>
-            </a:r>
-            <a:r>
-              <a:rPr lang="en-US" dirty="0" err="1"/>
-              <a:t>Xput</a:t>
-            </a:r>
-            <a:endParaRPr lang="en-US" dirty="0"/>
-          </a:p>
-        </p:txBody>
-      </p:sp>
-      <p:sp>
-        <p:nvSpPr>
-          <p:cNvPr id="3" name="Content Placeholder 2">
-            <a:extLst>
-              <a:ext uri="{FF2B5EF4-FFF2-40B4-BE49-F238E27FC236}">
-                <a16:creationId xmlns:a16="http://schemas.microsoft.com/office/drawing/2014/main" id="{320A5D36-6D54-4258-A43A-EF0471656EA8}"/>
-              </a:ext>
-            </a:extLst>
-          </p:cNvPr>
-          <p:cNvSpPr>
-            <a:spLocks noGrp="1"/>
-          </p:cNvSpPr>
-          <p:nvPr>
-            <p:ph idx="1"/>
-          </p:nvPr>
-        </p:nvSpPr>
-        <p:spPr/>
-        <p:txBody>
-          <a:bodyPr/>
-          <a:lstStyle/>
-          <a:p>
-            <a:pPr marL="0" indent="0">
-              <a:buNone/>
-            </a:pPr>
-            <a:endParaRPr lang="en-US" dirty="0"/>
-          </a:p>
-          <a:p>
-            <a:endParaRPr lang="en-US" dirty="0"/>
-          </a:p>
-          <a:p>
-            <a:endParaRPr lang="en-US" dirty="0"/>
+              <a:t>Scatter-gather ops</a:t>
+            </a:r>
           </a:p>
         </p:txBody>
       </p:sp>
       <p:pic>
         <p:nvPicPr>
-          <p:cNvPr id="10" name="Picture 9" descr="Chart&#10;&#10;Description automatically generated">
-            <a:extLst>
-              <a:ext uri="{FF2B5EF4-FFF2-40B4-BE49-F238E27FC236}">
-                <a16:creationId xmlns:a16="http://schemas.microsoft.com/office/drawing/2014/main" id="{22A4789C-EE6D-4072-BB48-15782348582C}"/>
+          <p:cNvPr id="10" name="Picture 9" descr="Chart, line chart&#10;&#10;Description automatically generated">
+            <a:extLst>
+              <a:ext uri="{FF2B5EF4-FFF2-40B4-BE49-F238E27FC236}">
+                <a16:creationId xmlns:a16="http://schemas.microsoft.com/office/drawing/2014/main" id="{643FD38A-DD24-49D2-9610-B88DE932C6E4}"/>
               </a:ext>
             </a:extLst>
           </p:cNvPr>
@@ -4495,8 +5397,8 @@
         </p:blipFill>
         <p:spPr>
           <a:xfrm>
-            <a:off x="3180929" y="1982380"/>
-            <a:ext cx="5830141" cy="3878943"/>
+            <a:off x="3352794" y="2286000"/>
+            <a:ext cx="5486411" cy="3657607"/>
           </a:xfrm>
           <a:prstGeom prst="rect">
             <a:avLst/>
@@ -4506,7 +5408,7 @@
     </p:spTree>
     <p:extLst>
       <p:ext uri="{BB962C8B-B14F-4D97-AF65-F5344CB8AC3E}">
-        <p14:creationId xmlns:p14="http://schemas.microsoft.com/office/powerpoint/2010/main" val="2480763572"/>
+        <p14:creationId xmlns:p14="http://schemas.microsoft.com/office/powerpoint/2010/main" val="512149709"/>
       </p:ext>
     </p:extLst>
   </p:cSld>
